--- a/docs/meetwave.pptx
+++ b/docs/meetwave.pptx
@@ -109,6 +109,11 @@
       </a:defRPr>
     </a:lvl9pPr>
   </p:defaultTextStyle>
+  <p:extLst>
+    <p:ext uri="{EFAFB233-063F-42B5-8137-9DF3F51BA10A}">
+      <p15:sldGuideLst xmlns:p15="http://schemas.microsoft.com/office/powerpoint/2012/main"/>
+    </p:ext>
+  </p:extLst>
 </p:presentation>
 </file>
 
@@ -5942,6 +5947,25 @@
   <p:clrMapOvr>
     <a:masterClrMapping/>
   </p:clrMapOvr>
+  <mc:AlternateContent xmlns:mc="http://schemas.openxmlformats.org/markup-compatibility/2006">
+    <mc:Choice xmlns:p14="http://schemas.microsoft.com/office/powerpoint/2010/main" Requires="p14">
+      <p:transition spd="med" p14:dur="700">
+        <p:fade/>
+      </p:transition>
+    </mc:Choice>
+    <mc:Fallback>
+      <p:transition spd="med">
+        <p:fade/>
+      </p:transition>
+    </mc:Fallback>
+  </mc:AlternateContent>
+  <p:timing>
+    <p:tnLst>
+      <p:par>
+        <p:cTn id="1" dur="indefinite" restart="never" nodeType="tmRoot"/>
+      </p:par>
+    </p:tnLst>
+  </p:timing>
 </p:sld>
 </file>
 
@@ -6024,6 +6048,25 @@
   <p:clrMapOvr>
     <a:masterClrMapping/>
   </p:clrMapOvr>
+  <mc:AlternateContent xmlns:mc="http://schemas.openxmlformats.org/markup-compatibility/2006">
+    <mc:Choice xmlns:p14="http://schemas.microsoft.com/office/powerpoint/2010/main" Requires="p14">
+      <p:transition spd="slow">
+        <p14:flash/>
+      </p:transition>
+    </mc:Choice>
+    <mc:Fallback>
+      <p:transition spd="slow">
+        <p:fade/>
+      </p:transition>
+    </mc:Fallback>
+  </mc:AlternateContent>
+  <p:timing>
+    <p:tnLst>
+      <p:par>
+        <p:cTn id="1" dur="indefinite" restart="never" nodeType="tmRoot"/>
+      </p:par>
+    </p:tnLst>
+  </p:timing>
 </p:sld>
 </file>
 
@@ -6243,6 +6286,25 @@
   <p:clrMapOvr>
     <a:masterClrMapping/>
   </p:clrMapOvr>
+  <mc:AlternateContent xmlns:mc="http://schemas.openxmlformats.org/markup-compatibility/2006">
+    <mc:Choice xmlns:p14="http://schemas.microsoft.com/office/powerpoint/2010/main" Requires="p14">
+      <p:transition spd="slow">
+        <p14:flash/>
+      </p:transition>
+    </mc:Choice>
+    <mc:Fallback>
+      <p:transition spd="slow">
+        <p:fade/>
+      </p:transition>
+    </mc:Fallback>
+  </mc:AlternateContent>
+  <p:timing>
+    <p:tnLst>
+      <p:par>
+        <p:cTn id="1" dur="indefinite" restart="never" nodeType="tmRoot"/>
+      </p:par>
+    </p:tnLst>
+  </p:timing>
 </p:sld>
 </file>
 
@@ -6311,8 +6373,8 @@
         </p:blipFill>
         <p:spPr bwMode="auto">
           <a:xfrm>
-            <a:off x="3323771" y="2496457"/>
-            <a:ext cx="5544457" cy="3727225"/>
+            <a:off x="2733403" y="2042160"/>
+            <a:ext cx="6725194" cy="4140883"/>
           </a:xfrm>
           <a:prstGeom prst="rect">
             <a:avLst/>
@@ -6333,6 +6395,25 @@
   <p:clrMapOvr>
     <a:masterClrMapping/>
   </p:clrMapOvr>
+  <mc:AlternateContent xmlns:mc="http://schemas.openxmlformats.org/markup-compatibility/2006">
+    <mc:Choice xmlns:p14="http://schemas.microsoft.com/office/powerpoint/2010/main" Requires="p14">
+      <p:transition spd="slow">
+        <p14:flash/>
+      </p:transition>
+    </mc:Choice>
+    <mc:Fallback>
+      <p:transition spd="slow">
+        <p:fade/>
+      </p:transition>
+    </mc:Fallback>
+  </mc:AlternateContent>
+  <p:timing>
+    <p:tnLst>
+      <p:par>
+        <p:cTn id="1" dur="indefinite" restart="never" nodeType="tmRoot"/>
+      </p:par>
+    </p:tnLst>
+  </p:timing>
 </p:sld>
 </file>
 
@@ -6415,6 +6496,25 @@
   <p:clrMapOvr>
     <a:masterClrMapping/>
   </p:clrMapOvr>
+  <mc:AlternateContent xmlns:mc="http://schemas.openxmlformats.org/markup-compatibility/2006">
+    <mc:Choice xmlns:p14="http://schemas.microsoft.com/office/powerpoint/2010/main" Requires="p14">
+      <p:transition spd="slow">
+        <p14:flash/>
+      </p:transition>
+    </mc:Choice>
+    <mc:Fallback>
+      <p:transition spd="slow">
+        <p:fade/>
+      </p:transition>
+    </mc:Fallback>
+  </mc:AlternateContent>
+  <p:timing>
+    <p:tnLst>
+      <p:par>
+        <p:cTn id="1" dur="indefinite" restart="never" nodeType="tmRoot"/>
+      </p:par>
+    </p:tnLst>
+  </p:timing>
 </p:sld>
 </file>
 
@@ -6486,6 +6586,25 @@
   <p:clrMapOvr>
     <a:masterClrMapping/>
   </p:clrMapOvr>
+  <mc:AlternateContent xmlns:mc="http://schemas.openxmlformats.org/markup-compatibility/2006">
+    <mc:Choice xmlns:p14="http://schemas.microsoft.com/office/powerpoint/2010/main" Requires="p14">
+      <p:transition spd="slow">
+        <p14:flash/>
+      </p:transition>
+    </mc:Choice>
+    <mc:Fallback>
+      <p:transition spd="slow">
+        <p:fade/>
+      </p:transition>
+    </mc:Fallback>
+  </mc:AlternateContent>
+  <p:timing>
+    <p:tnLst>
+      <p:par>
+        <p:cTn id="1" dur="indefinite" restart="never" nodeType="tmRoot"/>
+      </p:par>
+    </p:tnLst>
+  </p:timing>
 </p:sld>
 </file>
 
